--- a/src/_ppt/ch7.pptx
+++ b/src/_ppt/ch7.pptx
@@ -13,11 +13,11 @@
   <p:sldIdLst>
     <p:sldId id="262" r:id="rId2"/>
     <p:sldId id="285" r:id="rId3"/>
-    <p:sldId id="318" r:id="rId4"/>
-    <p:sldId id="319" r:id="rId5"/>
-    <p:sldId id="320" r:id="rId6"/>
-    <p:sldId id="317" r:id="rId7"/>
-    <p:sldId id="321" r:id="rId8"/>
+    <p:sldId id="322" r:id="rId4"/>
+    <p:sldId id="318" r:id="rId5"/>
+    <p:sldId id="319" r:id="rId6"/>
+    <p:sldId id="321" r:id="rId7"/>
+    <p:sldId id="317" r:id="rId8"/>
     <p:sldId id="316" r:id="rId9"/>
   </p:sldIdLst>
   <p:sldSz cx="9144000" cy="6858000" type="screen4x3"/>
@@ -119,7 +119,7 @@
   </p:defaultTextStyle>
   <p:extLst>
     <p:ext uri="{EFAFB233-063F-42B5-8137-9DF3F51BA10A}">
-      <p15:sldGuideLst xmlns="" xmlns:p15="http://schemas.microsoft.com/office/powerpoint/2012/main">
+      <p15:sldGuideLst xmlns:p15="http://schemas.microsoft.com/office/powerpoint/2012/main" xmlns="">
         <p15:guide id="1" orient="horz" pos="2160">
           <p15:clr>
             <a:srgbClr val="A4A3A4"/>
@@ -133,7 +133,7 @@
       </p15:sldGuideLst>
     </p:ext>
     <p:ext uri="{2D200454-40CA-4A62-9FC3-DE9A4176ACB9}">
-      <p15:notesGuideLst xmlns="" xmlns:p15="http://schemas.microsoft.com/office/powerpoint/2012/main">
+      <p15:notesGuideLst xmlns:p15="http://schemas.microsoft.com/office/powerpoint/2012/main" xmlns="">
         <p15:guide id="1" orient="horz" pos="2880">
           <p15:clr>
             <a:srgbClr val="A4A3A4"/>
@@ -232,7 +232,7 @@
           <a:p>
             <a:fld id="{B91EE508-E6D0-4648-B6D2-38C44CE8FAAB}" type="datetimeFigureOut">
               <a:rPr lang="ko-KR" altLang="en-US" smtClean="0"/>
-              <a:t>2014-08-08</a:t>
+              <a:t>2014-08-11</a:t>
             </a:fld>
             <a:endParaRPr lang="ko-KR" altLang="en-US"/>
           </a:p>
@@ -397,7 +397,7 @@
           <a:p>
             <a:fld id="{7C1CF068-DEA1-4643-B807-89A7146A4070}" type="datetimeFigureOut">
               <a:rPr lang="ko-KR" altLang="en-US" smtClean="0"/>
-              <a:t>2014-08-08</a:t>
+              <a:t>2014-08-11</a:t>
             </a:fld>
             <a:endParaRPr lang="ko-KR" altLang="en-US"/>
           </a:p>
@@ -835,45 +835,194 @@
           <a:p>
             <a:r>
               <a:rPr lang="ko-KR" altLang="en-US" dirty="0" smtClean="0"/>
-              <a:t>불변규칙과 불변성을 보존하기 위해 </a:t>
-            </a:r>
+              <a:t>객체 생성 시 발생하는 문제를 해결하기 위한 패턴 </a:t>
+            </a:r>
+            <a:r>
+              <a:rPr lang="en-US" altLang="ko-KR" dirty="0" smtClean="0"/>
+              <a:t>creational design pattern</a:t>
+            </a:r>
+          </a:p>
+          <a:p>
             <a:r>
               <a:rPr lang="ko-KR" altLang="en-US" dirty="0" err="1" smtClean="0"/>
-              <a:t>생성자와</a:t>
+              <a:t>파라미터가</a:t>
             </a:r>
             <a:r>
               <a:rPr lang="ko-KR" altLang="en-US" dirty="0" smtClean="0"/>
-              <a:t> </a:t>
+              <a:t> 많을 때 </a:t>
+            </a:r>
+            <a:r>
+              <a:rPr lang="en-US" altLang="ko-KR" dirty="0" smtClean="0"/>
+              <a:t>!!</a:t>
+            </a:r>
+          </a:p>
+          <a:p>
+            <a:r>
+              <a:rPr lang="ko-KR" altLang="en-US" dirty="0" smtClean="0"/>
+              <a:t>어떤 것은 필수적이고</a:t>
+            </a:r>
+            <a:r>
+              <a:rPr lang="en-US" altLang="ko-KR" dirty="0" smtClean="0"/>
+              <a:t>, </a:t>
+            </a:r>
+            <a:r>
+              <a:rPr lang="ko-KR" altLang="en-US" dirty="0" smtClean="0"/>
+              <a:t>어떤 것은 </a:t>
             </a:r>
             <a:r>
               <a:rPr lang="ko-KR" altLang="en-US" dirty="0" err="1" smtClean="0"/>
-              <a:t>접근자</a:t>
+              <a:t>옵셔날할</a:t>
             </a:r>
             <a:r>
               <a:rPr lang="ko-KR" altLang="en-US" dirty="0" smtClean="0"/>
-              <a:t> </a:t>
+              <a:t> 때</a:t>
+            </a:r>
+            <a:r>
+              <a:rPr lang="en-US" altLang="ko-KR" dirty="0" smtClean="0"/>
+              <a:t>!</a:t>
+            </a:r>
+          </a:p>
+          <a:p>
+            <a:r>
+              <a:rPr lang="en-US" altLang="ko-KR" dirty="0" smtClean="0"/>
+              <a:t>overloaded constructor </a:t>
+            </a:r>
+            <a:r>
+              <a:rPr lang="ko-KR" altLang="en-US" dirty="0" smtClean="0"/>
+              <a:t>를 만들면 되나</a:t>
+            </a:r>
+            <a:r>
+              <a:rPr lang="en-US" altLang="ko-KR" dirty="0" smtClean="0"/>
+              <a:t>?(telescoping </a:t>
+            </a:r>
+            <a:r>
+              <a:rPr lang="ko-KR" altLang="en-US" dirty="0" smtClean="0"/>
+              <a:t>패턴</a:t>
+            </a:r>
+            <a:r>
+              <a:rPr lang="en-US" altLang="ko-KR" dirty="0" smtClean="0"/>
+              <a:t>)</a:t>
+            </a:r>
+          </a:p>
+          <a:p>
+            <a:r>
+              <a:rPr lang="ko-KR" altLang="en-US" dirty="0" smtClean="0"/>
+              <a:t>생성자가 엄청 많아질 듯</a:t>
+            </a:r>
+            <a:r>
+              <a:rPr lang="en-US" altLang="ko-KR" dirty="0" smtClean="0"/>
+              <a:t>...</a:t>
+            </a:r>
+          </a:p>
+          <a:p>
+            <a:endParaRPr lang="en-US" altLang="ko-KR" dirty="0" smtClean="0"/>
+          </a:p>
+          <a:p>
+            <a:r>
+              <a:rPr lang="ko-KR" altLang="en-US" dirty="0" smtClean="0"/>
+              <a:t>문제점 </a:t>
+            </a:r>
+          </a:p>
+          <a:p>
+            <a:r>
+              <a:rPr lang="en-US" altLang="ko-KR" dirty="0" smtClean="0"/>
+              <a:t>1. </a:t>
+            </a:r>
+            <a:r>
+              <a:rPr lang="ko-KR" altLang="en-US" dirty="0" smtClean="0"/>
+              <a:t>생성자가 많아짐</a:t>
+            </a:r>
+          </a:p>
+          <a:p>
+            <a:r>
+              <a:rPr lang="en-US" altLang="ko-KR" dirty="0" smtClean="0"/>
+              <a:t>2. </a:t>
+            </a:r>
+            <a:r>
+              <a:rPr lang="ko-KR" altLang="en-US" dirty="0" smtClean="0"/>
+              <a:t>많은 필드들이 같은 타입을 가진다면 에러 발생률이 증가할 듯</a:t>
+            </a:r>
+            <a:r>
+              <a:rPr lang="en-US" altLang="ko-KR" dirty="0" smtClean="0"/>
+              <a:t>..</a:t>
+            </a:r>
+          </a:p>
+          <a:p>
+            <a:endParaRPr lang="en-US" altLang="ko-KR" dirty="0" smtClean="0"/>
+          </a:p>
+          <a:p>
+            <a:r>
+              <a:rPr lang="ko-KR" altLang="en-US" dirty="0" smtClean="0"/>
+              <a:t>객체를 만들고 나서 요소를 추가하는 방식으로</a:t>
+            </a:r>
+            <a:r>
+              <a:rPr lang="en-US" altLang="ko-KR" dirty="0" smtClean="0"/>
+              <a:t>(</a:t>
+            </a:r>
+            <a:r>
+              <a:rPr lang="en-US" altLang="ko-KR" dirty="0" err="1" smtClean="0"/>
+              <a:t>setXXX</a:t>
+            </a:r>
+            <a:r>
+              <a:rPr lang="en-US" altLang="ko-KR" dirty="0" smtClean="0"/>
+              <a:t>) </a:t>
+            </a:r>
+            <a:r>
+              <a:rPr lang="ko-KR" altLang="en-US" dirty="0" smtClean="0"/>
+              <a:t>해결하면 되지</a:t>
+            </a:r>
+            <a:r>
+              <a:rPr lang="en-US" altLang="ko-KR" dirty="0" smtClean="0"/>
+              <a:t>?</a:t>
+            </a:r>
+          </a:p>
+          <a:p>
+            <a:r>
+              <a:rPr lang="en-US" altLang="ko-KR" dirty="0" smtClean="0"/>
+              <a:t>(JavaBeans </a:t>
+            </a:r>
+            <a:r>
+              <a:rPr lang="ko-KR" altLang="en-US" dirty="0" smtClean="0"/>
+              <a:t>패턴</a:t>
+            </a:r>
+            <a:r>
+              <a:rPr lang="en-US" altLang="ko-KR" dirty="0" smtClean="0"/>
+              <a:t>)</a:t>
+            </a:r>
+          </a:p>
+          <a:p>
+            <a:r>
+              <a:rPr lang="ko-KR" altLang="en-US" dirty="0" smtClean="0"/>
+              <a:t>이상적으로</a:t>
+            </a:r>
+            <a:r>
+              <a:rPr lang="en-US" altLang="ko-KR" dirty="0" smtClean="0"/>
+              <a:t>(</a:t>
+            </a:r>
+            <a:r>
+              <a:rPr lang="ko-KR" altLang="en-US" dirty="0" smtClean="0"/>
+              <a:t>당연히</a:t>
+            </a:r>
+            <a:r>
+              <a:rPr lang="en-US" altLang="ko-KR" dirty="0" smtClean="0"/>
+              <a:t>) </a:t>
+            </a:r>
+            <a:r>
+              <a:rPr lang="ko-KR" altLang="en-US" dirty="0" smtClean="0"/>
+              <a:t>물건을 그것이 생성되기 전까지는 </a:t>
             </a:r>
             <a:r>
               <a:rPr lang="ko-KR" altLang="en-US" dirty="0" err="1" smtClean="0"/>
-              <a:t>메소드에서</a:t>
+              <a:t>이용불가능해야</a:t>
             </a:r>
             <a:r>
               <a:rPr lang="ko-KR" altLang="en-US" dirty="0" smtClean="0"/>
-              <a:t> </a:t>
+              <a:t> 한다</a:t>
             </a:r>
             <a:r>
               <a:rPr lang="en-US" altLang="ko-KR" dirty="0" smtClean="0"/>
-              <a:t>Date</a:t>
-            </a:r>
-            <a:r>
-              <a:rPr lang="en-US" altLang="ko-KR" baseline="0" dirty="0" smtClean="0"/>
-              <a:t> </a:t>
-            </a:r>
-            <a:r>
-              <a:rPr lang="ko-KR" altLang="en-US" baseline="0" dirty="0" smtClean="0"/>
-              <a:t>객체들을 방어복사</a:t>
-            </a:r>
-            <a:endParaRPr lang="ko-KR" altLang="en-US" dirty="0"/>
+              <a:t>.</a:t>
+            </a:r>
           </a:p>
         </p:txBody>
       </p:sp>
@@ -1082,42 +1231,44 @@
           <a:lstStyle/>
           <a:p>
             <a:r>
+              <a:rPr lang="ko-KR" altLang="en-US" dirty="0" smtClean="0"/>
+              <a:t>불변규칙과 불변성을 보존하기 위해 </a:t>
+            </a:r>
+            <a:r>
               <a:rPr lang="ko-KR" altLang="en-US" dirty="0" err="1" smtClean="0"/>
-              <a:t>자바빈즈</a:t>
+              <a:t>생성자와</a:t>
             </a:r>
             <a:r>
               <a:rPr lang="ko-KR" altLang="en-US" dirty="0" smtClean="0"/>
-              <a:t> 패턴 </a:t>
+              <a:t> </a:t>
+            </a:r>
+            <a:r>
+              <a:rPr lang="ko-KR" altLang="en-US" dirty="0" err="1" smtClean="0"/>
+              <a:t>접근자</a:t>
+            </a:r>
+            <a:r>
+              <a:rPr lang="ko-KR" altLang="en-US" dirty="0" smtClean="0"/>
+              <a:t> </a:t>
+            </a:r>
+            <a:r>
+              <a:rPr lang="ko-KR" altLang="en-US" dirty="0" err="1" smtClean="0"/>
+              <a:t>메소드에서</a:t>
+            </a:r>
+            <a:r>
+              <a:rPr lang="ko-KR" altLang="en-US" dirty="0" smtClean="0"/>
+              <a:t> </a:t>
             </a:r>
             <a:r>
               <a:rPr lang="en-US" altLang="ko-KR" dirty="0" smtClean="0"/>
-              <a:t>– </a:t>
-            </a:r>
-            <a:r>
-              <a:rPr lang="ko-KR" altLang="en-US" dirty="0" smtClean="0"/>
-              <a:t>생성 과정 동안 객체가 일관되지 않은 상태이다</a:t>
-            </a:r>
-            <a:r>
-              <a:rPr lang="en-US" altLang="ko-KR" dirty="0" smtClean="0"/>
-              <a:t>.</a:t>
-            </a:r>
-          </a:p>
-          <a:p>
-            <a:r>
-              <a:rPr lang="ko-KR" altLang="en-US" dirty="0" smtClean="0"/>
-              <a:t>불변 클래스를 만들 수 없다</a:t>
-            </a:r>
-            <a:r>
-              <a:rPr lang="en-US" altLang="ko-KR" dirty="0" smtClean="0"/>
-              <a:t>. – </a:t>
-            </a:r>
-            <a:r>
-              <a:rPr lang="ko-KR" altLang="en-US" dirty="0" err="1" smtClean="0"/>
-              <a:t>스레드</a:t>
-            </a:r>
-            <a:r>
-              <a:rPr lang="ko-KR" altLang="en-US" dirty="0" smtClean="0"/>
-              <a:t> 안정성에 취약</a:t>
+              <a:t>Date</a:t>
+            </a:r>
+            <a:r>
+              <a:rPr lang="en-US" altLang="ko-KR" baseline="0" dirty="0" smtClean="0"/>
+              <a:t> </a:t>
+            </a:r>
+            <a:r>
+              <a:rPr lang="ko-KR" altLang="en-US" baseline="0" dirty="0" smtClean="0"/>
+              <a:t>객체들을 방어복사</a:t>
             </a:r>
             <a:endParaRPr lang="ko-KR" altLang="en-US" dirty="0"/>
           </a:p>
@@ -1150,6 +1301,90 @@
     <p:extLst>
       <p:ext uri="{BB962C8B-B14F-4D97-AF65-F5344CB8AC3E}">
         <p14:creationId xmlns:p14="http://schemas.microsoft.com/office/powerpoint/2010/main" val="4294667118"/>
+      </p:ext>
+    </p:extLst>
+  </p:cSld>
+  <p:clrMapOvr>
+    <a:masterClrMapping/>
+  </p:clrMapOvr>
+</p:notes>
+</file>
+
+<file path=ppt/notesSlides/notesSlide5.xml><?xml version="1.0" encoding="utf-8"?>
+<p:notes xmlns:a="http://schemas.openxmlformats.org/drawingml/2006/main" xmlns:r="http://schemas.openxmlformats.org/officeDocument/2006/relationships" xmlns:p="http://schemas.openxmlformats.org/presentationml/2006/main">
+  <p:cSld>
+    <p:spTree>
+      <p:nvGrpSpPr>
+        <p:cNvPr id="1" name=""/>
+        <p:cNvGrpSpPr/>
+        <p:nvPr/>
+      </p:nvGrpSpPr>
+      <p:grpSpPr>
+        <a:xfrm>
+          <a:off x="0" y="0"/>
+          <a:ext cx="0" cy="0"/>
+          <a:chOff x="0" y="0"/>
+          <a:chExt cx="0" cy="0"/>
+        </a:xfrm>
+      </p:grpSpPr>
+      <p:sp>
+        <p:nvSpPr>
+          <p:cNvPr id="2" name="슬라이드 이미지 개체 틀 1"/>
+          <p:cNvSpPr>
+            <a:spLocks noGrp="1" noRot="1" noChangeAspect="1"/>
+          </p:cNvSpPr>
+          <p:nvPr>
+            <p:ph type="sldImg"/>
+          </p:nvPr>
+        </p:nvSpPr>
+        <p:spPr/>
+      </p:sp>
+      <p:sp>
+        <p:nvSpPr>
+          <p:cNvPr id="3" name="슬라이드 노트 개체 틀 2"/>
+          <p:cNvSpPr>
+            <a:spLocks noGrp="1"/>
+          </p:cNvSpPr>
+          <p:nvPr>
+            <p:ph type="body" idx="1"/>
+          </p:nvPr>
+        </p:nvSpPr>
+        <p:spPr/>
+        <p:txBody>
+          <a:bodyPr/>
+          <a:lstStyle/>
+          <a:p>
+            <a:endParaRPr lang="ko-KR" altLang="en-US"/>
+          </a:p>
+        </p:txBody>
+      </p:sp>
+      <p:sp>
+        <p:nvSpPr>
+          <p:cNvPr id="4" name="슬라이드 번호 개체 틀 3"/>
+          <p:cNvSpPr>
+            <a:spLocks noGrp="1"/>
+          </p:cNvSpPr>
+          <p:nvPr>
+            <p:ph type="sldNum" sz="quarter" idx="10"/>
+          </p:nvPr>
+        </p:nvSpPr>
+        <p:spPr/>
+        <p:txBody>
+          <a:bodyPr/>
+          <a:lstStyle/>
+          <a:p>
+            <a:fld id="{F9FBCD24-FD72-452C-8969-09628A5F2BDD}" type="slidenum">
+              <a:rPr lang="ko-KR" altLang="en-US" smtClean="0"/>
+              <a:t>8</a:t>
+            </a:fld>
+            <a:endParaRPr lang="ko-KR" altLang="en-US"/>
+          </a:p>
+        </p:txBody>
+      </p:sp>
+    </p:spTree>
+    <p:extLst>
+      <p:ext uri="{BB962C8B-B14F-4D97-AF65-F5344CB8AC3E}">
+        <p14:creationId xmlns:p14="http://schemas.microsoft.com/office/powerpoint/2010/main" val="1927532134"/>
       </p:ext>
     </p:extLst>
   </p:cSld>
@@ -4656,15 +4891,7 @@
             <a:noFill/>
           </a:ln>
           <a:effectLst/>
-          <a:extLst>
-            <a:ext uri="{909E8E84-426E-40DD-AFC4-6F175D3DCCD1}">
-              <a14:hiddenFill xmlns:a14="http://schemas.microsoft.com/office/drawing/2010/main">
-                <a:solidFill>
-                  <a:srgbClr val="FFFFFF"/>
-                </a:solidFill>
-              </a14:hiddenFill>
-            </a:ext>
-          </a:extLst>
+          <a:extLst/>
         </p:spPr>
       </p:pic>
     </p:spTree>
@@ -4724,8 +4951,8 @@
               <a:t>Builder </a:t>
             </a:r>
             <a:r>
-              <a:rPr lang="ko-KR" altLang="en-US" dirty="0"/>
-              <a:t>패턴</a:t>
+              <a:rPr lang="ko-KR" altLang="en-US" dirty="0" smtClean="0"/>
+              <a:t>패턴의 배경</a:t>
             </a:r>
             <a:endParaRPr lang="ko-KR" altLang="en-US" dirty="0"/>
           </a:p>
@@ -4746,167 +4973,51 @@
           <a:bodyPr/>
           <a:lstStyle/>
           <a:p>
-            <a:pPr lvl="0"/>
-            <a:endParaRPr lang="en-US" altLang="ko-KR" sz="1600" dirty="0" smtClean="0"/>
-          </a:p>
-          <a:p>
-            <a:pPr lvl="0"/>
-            <a:endParaRPr lang="en-US" altLang="ko-KR" sz="1600" dirty="0"/>
-          </a:p>
-          <a:p>
-            <a:pPr lvl="0"/>
-            <a:endParaRPr lang="en-US" altLang="ko-KR" sz="1600" dirty="0" smtClean="0"/>
-          </a:p>
-          <a:p>
-            <a:pPr lvl="0"/>
-            <a:endParaRPr lang="en-US" altLang="ko-KR" sz="1600" dirty="0"/>
-          </a:p>
-          <a:p>
-            <a:pPr lvl="0"/>
-            <a:endParaRPr lang="en-US" altLang="ko-KR" sz="1400" dirty="0" smtClean="0"/>
-          </a:p>
-          <a:p>
             <a:pPr marL="285750" lvl="0" indent="-285750">
               <a:buFont typeface="Arial" pitchFamily="34" charset="0"/>
               <a:buChar char="•"/>
             </a:pPr>
-            <a:endParaRPr lang="en-US" altLang="ko-KR" sz="1100" dirty="0" smtClean="0"/>
+            <a:r>
+              <a:rPr lang="en-US" altLang="ko-KR" sz="1600" dirty="0" smtClean="0"/>
+              <a:t>Telescoping constructor anti pattern </a:t>
+            </a:r>
+            <a:r>
+              <a:rPr lang="ko-KR" altLang="en-US" sz="1600" dirty="0" smtClean="0"/>
+              <a:t>의 해결책을 찾기 위한 </a:t>
+            </a:r>
+            <a:r>
+              <a:rPr lang="ko-KR" altLang="en-US" sz="1600" dirty="0" smtClean="0"/>
+              <a:t>것</a:t>
+            </a:r>
+            <a:r>
+              <a:rPr lang="en-US" altLang="ko-KR" sz="1600" dirty="0" smtClean="0"/>
+              <a:t/>
+            </a:r>
+            <a:br>
+              <a:rPr lang="en-US" altLang="ko-KR" sz="1600" dirty="0" smtClean="0"/>
+            </a:br>
+            <a:r>
+              <a:rPr lang="en-US" altLang="ko-KR" sz="1600" dirty="0" smtClean="0"/>
+              <a:t/>
+            </a:r>
+            <a:br>
+              <a:rPr lang="en-US" altLang="ko-KR" sz="1600" dirty="0" smtClean="0"/>
+            </a:br>
+            <a:endParaRPr lang="en-US" altLang="ko-KR" sz="1600" dirty="0" smtClean="0"/>
           </a:p>
           <a:p>
             <a:pPr marL="285750" lvl="0" indent="-285750">
               <a:buFont typeface="Arial" pitchFamily="34" charset="0"/>
               <a:buChar char="•"/>
             </a:pPr>
-            <a:r>
-              <a:rPr lang="en-US" altLang="ko-KR" sz="1600" dirty="0" smtClean="0"/>
-              <a:t>Builder</a:t>
-            </a:r>
-          </a:p>
-          <a:p>
-            <a:pPr marL="465750" lvl="1" indent="-285750">
-              <a:buFont typeface="Arial" pitchFamily="34" charset="0"/>
-              <a:buChar char="•"/>
-            </a:pPr>
-            <a:r>
-              <a:rPr lang="ko-KR" altLang="en-US" sz="1600" dirty="0" err="1" smtClean="0"/>
-              <a:t>인스턴스를</a:t>
-            </a:r>
-            <a:r>
-              <a:rPr lang="ko-KR" altLang="en-US" sz="1600" dirty="0" smtClean="0"/>
-              <a:t> 생성하기 위한 인터페이스를 결정</a:t>
-            </a:r>
-            <a:r>
-              <a:rPr lang="en-US" altLang="ko-KR" sz="1600" dirty="0" smtClean="0"/>
-              <a:t>. </a:t>
-            </a:r>
-            <a:r>
-              <a:rPr lang="ko-KR" altLang="en-US" sz="1600" dirty="0" err="1" smtClean="0"/>
-              <a:t>인스턴스의</a:t>
-            </a:r>
-            <a:r>
-              <a:rPr lang="ko-KR" altLang="en-US" sz="1600" dirty="0" smtClean="0"/>
-              <a:t> 각 부분을 만들기 위한 </a:t>
-            </a:r>
-            <a:r>
-              <a:rPr lang="ko-KR" altLang="en-US" sz="1600" dirty="0" err="1" smtClean="0"/>
-              <a:t>메소드를</a:t>
-            </a:r>
-            <a:r>
-              <a:rPr lang="ko-KR" altLang="en-US" sz="1600" dirty="0" smtClean="0"/>
-              <a:t> 가진다</a:t>
-            </a:r>
-            <a:r>
-              <a:rPr lang="en-US" altLang="ko-KR" sz="1600" dirty="0" smtClean="0"/>
-              <a:t>.</a:t>
-            </a:r>
-          </a:p>
-          <a:p>
-            <a:pPr marL="285750" indent="-285750">
-              <a:buFont typeface="Arial" pitchFamily="34" charset="0"/>
-              <a:buChar char="•"/>
-            </a:pPr>
-            <a:r>
-              <a:rPr lang="en-US" altLang="ko-KR" sz="1600" dirty="0" err="1" smtClean="0"/>
-              <a:t>ConcreteBuilder</a:t>
-            </a:r>
             <a:endParaRPr lang="en-US" altLang="ko-KR" sz="1600" dirty="0" smtClean="0"/>
-          </a:p>
-          <a:p>
-            <a:pPr marL="465750" lvl="1" indent="-285750">
-              <a:buFont typeface="Arial" pitchFamily="34" charset="0"/>
-              <a:buChar char="•"/>
-            </a:pPr>
-            <a:r>
-              <a:rPr lang="en-US" altLang="ko-KR" sz="1600" dirty="0" smtClean="0"/>
-              <a:t>Builder</a:t>
-            </a:r>
-            <a:r>
-              <a:rPr lang="ko-KR" altLang="en-US" sz="1600" dirty="0" smtClean="0"/>
-              <a:t>를 구현하고 있는 클래스</a:t>
-            </a:r>
-            <a:r>
-              <a:rPr lang="en-US" altLang="ko-KR" sz="1600" dirty="0" smtClean="0"/>
-              <a:t>.</a:t>
-            </a:r>
-            <a:endParaRPr lang="ko-KR" altLang="en-US" sz="1600" dirty="0"/>
           </a:p>
         </p:txBody>
       </p:sp>
-      <p:pic>
-        <p:nvPicPr>
-          <p:cNvPr id="5" name="Picture 2" descr="C:\Users\Administrator\Desktop\1400px-Builder_UML_class_diagram.svg.png"/>
-          <p:cNvPicPr>
-            <a:picLocks noChangeAspect="1" noChangeArrowheads="1"/>
-          </p:cNvPicPr>
-          <p:nvPr/>
-        </p:nvPicPr>
-        <p:blipFill>
-          <a:blip r:embed="rId3">
-            <a:extLst>
-              <a:ext uri="{28A0092B-C50C-407E-A947-70E740481C1C}">
-                <a14:useLocalDpi xmlns:a14="http://schemas.microsoft.com/office/drawing/2010/main" val="0"/>
-              </a:ext>
-            </a:extLst>
-          </a:blip>
-          <a:srcRect/>
-          <a:stretch>
-            <a:fillRect/>
-          </a:stretch>
-        </p:blipFill>
-        <p:spPr bwMode="auto">
-          <a:xfrm>
-            <a:off x="1331640" y="1207039"/>
-            <a:ext cx="6480720" cy="2221961"/>
-          </a:xfrm>
-          <a:prstGeom prst="roundRect">
-            <a:avLst>
-              <a:gd name="adj" fmla="val 8594"/>
-            </a:avLst>
-          </a:prstGeom>
-          <a:solidFill>
-            <a:srgbClr val="FFFFFF">
-              <a:shade val="85000"/>
-            </a:srgbClr>
-          </a:solidFill>
-          <a:ln>
-            <a:noFill/>
-          </a:ln>
-          <a:effectLst/>
-          <a:extLst>
-            <a:ext uri="{909E8E84-426E-40DD-AFC4-6F175D3DCCD1}">
-              <a14:hiddenFill xmlns:a14="http://schemas.microsoft.com/office/drawing/2010/main">
-                <a:solidFill>
-                  <a:srgbClr val="FFFFFF"/>
-                </a:solidFill>
-              </a14:hiddenFill>
-            </a:ext>
-          </a:extLst>
-        </p:spPr>
-      </p:pic>
     </p:spTree>
     <p:extLst>
       <p:ext uri="{BB962C8B-B14F-4D97-AF65-F5344CB8AC3E}">
-        <p14:creationId xmlns:p14="http://schemas.microsoft.com/office/powerpoint/2010/main" val="2267128423"/>
+        <p14:creationId xmlns:p14="http://schemas.microsoft.com/office/powerpoint/2010/main" val="3150471558"/>
       </p:ext>
     </p:extLst>
   </p:cSld>
@@ -4963,7 +5074,6 @@
               <a:rPr lang="ko-KR" altLang="en-US" dirty="0"/>
               <a:t>패턴</a:t>
             </a:r>
-            <a:endParaRPr lang="ko-KR" altLang="en-US" dirty="0"/>
           </a:p>
         </p:txBody>
       </p:sp>
@@ -5015,7 +5125,7 @@
             </a:pPr>
             <a:r>
               <a:rPr lang="en-US" altLang="ko-KR" sz="1600" dirty="0" smtClean="0"/>
-              <a:t>Director</a:t>
+              <a:t>Builder</a:t>
             </a:r>
           </a:p>
           <a:p>
@@ -5024,61 +5134,37 @@
               <a:buChar char="•"/>
             </a:pPr>
             <a:r>
-              <a:rPr lang="en-US" altLang="ko-KR" sz="1600" dirty="0" smtClean="0"/>
-              <a:t>Builder </a:t>
-            </a:r>
-            <a:r>
-              <a:rPr lang="ko-KR" altLang="en-US" sz="1600" dirty="0" smtClean="0"/>
-              <a:t>역할의 인터페이스를 사용해서 </a:t>
-            </a:r>
-            <a:r>
               <a:rPr lang="ko-KR" altLang="en-US" sz="1600" dirty="0" err="1" smtClean="0"/>
               <a:t>인스턴스를</a:t>
             </a:r>
             <a:r>
               <a:rPr lang="ko-KR" altLang="en-US" sz="1600" dirty="0" smtClean="0"/>
-              <a:t> 생성</a:t>
+              <a:t> 생성하기 위한 인터페이스를 결정</a:t>
             </a:r>
             <a:r>
               <a:rPr lang="en-US" altLang="ko-KR" sz="1600" dirty="0" smtClean="0"/>
               <a:t>. </a:t>
             </a:r>
             <a:r>
-              <a:rPr lang="en-US" altLang="ko-KR" sz="1600" dirty="0" err="1" smtClean="0"/>
-              <a:t>ConcreteBuilder</a:t>
+              <a:rPr lang="ko-KR" altLang="en-US" sz="1600" dirty="0" err="1" smtClean="0"/>
+              <a:t>인스턴스의</a:t>
             </a:r>
             <a:r>
               <a:rPr lang="ko-KR" altLang="en-US" sz="1600" dirty="0" smtClean="0"/>
-              <a:t>에 </a:t>
+              <a:t> 각 부분을 만들기 위한 </a:t>
+            </a:r>
+            <a:r>
+              <a:rPr lang="ko-KR" altLang="en-US" sz="1600" dirty="0" err="1" smtClean="0"/>
+              <a:t>메소드를</a:t>
+            </a:r>
+            <a:r>
+              <a:rPr lang="ko-KR" altLang="en-US" sz="1600" dirty="0" smtClean="0"/>
+              <a:t> 가진다</a:t>
             </a:r>
             <a:r>
               <a:rPr lang="en-US" altLang="ko-KR" sz="1600" dirty="0" smtClean="0"/>
-              <a:t/>
-            </a:r>
-            <a:br>
-              <a:rPr lang="en-US" altLang="ko-KR" sz="1600" dirty="0" smtClean="0"/>
-            </a:br>
-            <a:r>
-              <a:rPr lang="ko-KR" altLang="en-US" sz="1600" dirty="0" smtClean="0"/>
-              <a:t>의존하지 않고</a:t>
-            </a:r>
-            <a:r>
-              <a:rPr lang="en-US" altLang="ko-KR" sz="1600" dirty="0" smtClean="0"/>
-              <a:t>, Builder </a:t>
-            </a:r>
-            <a:r>
-              <a:rPr lang="ko-KR" altLang="en-US" sz="1600" dirty="0" smtClean="0"/>
-              <a:t>역할의 </a:t>
-            </a:r>
-            <a:r>
-              <a:rPr lang="ko-KR" altLang="en-US" sz="1600" dirty="0" err="1" smtClean="0"/>
-              <a:t>메소드만</a:t>
-            </a:r>
-            <a:r>
-              <a:rPr lang="ko-KR" altLang="en-US" sz="1600" dirty="0" smtClean="0"/>
-              <a:t> 사용</a:t>
-            </a:r>
-            <a:endParaRPr lang="en-US" altLang="ko-KR" sz="1600" dirty="0" smtClean="0"/>
+              <a:t>.</a:t>
+            </a:r>
           </a:p>
           <a:p>
             <a:pPr marL="285750" indent="-285750">
@@ -5086,9 +5172,10 @@
               <a:buChar char="•"/>
             </a:pPr>
             <a:r>
-              <a:rPr lang="en-US" altLang="ko-KR" sz="1600" dirty="0" smtClean="0"/>
-              <a:t>Client</a:t>
-            </a:r>
+              <a:rPr lang="en-US" altLang="ko-KR" sz="1600" dirty="0" err="1" smtClean="0"/>
+              <a:t>ConcreteBuilder</a:t>
+            </a:r>
+            <a:endParaRPr lang="en-US" altLang="ko-KR" sz="1600" dirty="0" smtClean="0"/>
           </a:p>
           <a:p>
             <a:pPr marL="465750" lvl="1" indent="-285750">
@@ -5097,11 +5184,15 @@
             </a:pPr>
             <a:r>
               <a:rPr lang="en-US" altLang="ko-KR" sz="1600" dirty="0" smtClean="0"/>
-              <a:t>Builder </a:t>
+              <a:t>Builder</a:t>
             </a:r>
             <a:r>
               <a:rPr lang="ko-KR" altLang="en-US" sz="1600" dirty="0" smtClean="0"/>
-              <a:t>패턴을 사용하는 역할</a:t>
+              <a:t>를 구현하고 있는 클래스</a:t>
+            </a:r>
+            <a:r>
+              <a:rPr lang="en-US" altLang="ko-KR" sz="1600" dirty="0" smtClean="0"/>
+              <a:t>.</a:t>
             </a:r>
             <a:endParaRPr lang="ko-KR" altLang="en-US" sz="1600" dirty="0"/>
           </a:p>
@@ -5147,21 +5238,13 @@
             <a:noFill/>
           </a:ln>
           <a:effectLst/>
-          <a:extLst>
-            <a:ext uri="{909E8E84-426E-40DD-AFC4-6F175D3DCCD1}">
-              <a14:hiddenFill xmlns:a14="http://schemas.microsoft.com/office/drawing/2010/main">
-                <a:solidFill>
-                  <a:srgbClr val="FFFFFF"/>
-                </a:solidFill>
-              </a14:hiddenFill>
-            </a:ext>
-          </a:extLst>
+          <a:extLst/>
         </p:spPr>
       </p:pic>
     </p:spTree>
     <p:extLst>
       <p:ext uri="{BB962C8B-B14F-4D97-AF65-F5344CB8AC3E}">
-        <p14:creationId xmlns:p14="http://schemas.microsoft.com/office/powerpoint/2010/main" val="874322858"/>
+        <p14:creationId xmlns:p14="http://schemas.microsoft.com/office/powerpoint/2010/main" val="2267128423"/>
       </p:ext>
     </p:extLst>
   </p:cSld>
@@ -5215,10 +5298,9 @@
               <a:t>Builder </a:t>
             </a:r>
             <a:r>
-              <a:rPr lang="ko-KR" altLang="en-US" dirty="0" smtClean="0"/>
-              <a:t>패턴의 배경</a:t>
-            </a:r>
-            <a:endParaRPr lang="ko-KR" altLang="en-US" dirty="0"/>
+              <a:rPr lang="ko-KR" altLang="en-US" dirty="0"/>
+              <a:t>패턴</a:t>
+            </a:r>
           </a:p>
         </p:txBody>
       </p:sp>
@@ -5237,19 +5319,41 @@
           <a:bodyPr/>
           <a:lstStyle/>
           <a:p>
+            <a:pPr lvl="0"/>
+            <a:endParaRPr lang="en-US" altLang="ko-KR" sz="1600" dirty="0" smtClean="0"/>
+          </a:p>
+          <a:p>
+            <a:pPr lvl="0"/>
+            <a:endParaRPr lang="en-US" altLang="ko-KR" sz="1600" dirty="0"/>
+          </a:p>
+          <a:p>
+            <a:pPr lvl="0"/>
+            <a:endParaRPr lang="en-US" altLang="ko-KR" sz="1600" dirty="0" smtClean="0"/>
+          </a:p>
+          <a:p>
+            <a:pPr lvl="0"/>
+            <a:endParaRPr lang="en-US" altLang="ko-KR" sz="1600" dirty="0"/>
+          </a:p>
+          <a:p>
+            <a:pPr lvl="0"/>
+            <a:endParaRPr lang="en-US" altLang="ko-KR" sz="1400" dirty="0" smtClean="0"/>
+          </a:p>
+          <a:p>
             <a:pPr marL="285750" lvl="0" indent="-285750">
               <a:buFont typeface="Arial" pitchFamily="34" charset="0"/>
               <a:buChar char="•"/>
             </a:pPr>
+            <a:endParaRPr lang="en-US" altLang="ko-KR" sz="1100" dirty="0" smtClean="0"/>
+          </a:p>
+          <a:p>
+            <a:pPr marL="285750" lvl="0" indent="-285750">
+              <a:buFont typeface="Arial" pitchFamily="34" charset="0"/>
+              <a:buChar char="•"/>
+            </a:pPr>
             <a:r>
               <a:rPr lang="en-US" altLang="ko-KR" sz="1600" dirty="0" smtClean="0"/>
-              <a:t>Telescoping constructor anti pattern </a:t>
-            </a:r>
-            <a:r>
-              <a:rPr lang="ko-KR" altLang="en-US" sz="1600" dirty="0" smtClean="0"/>
-              <a:t>의 해결책을 찾기 위한 것</a:t>
-            </a:r>
-            <a:endParaRPr lang="en-US" altLang="ko-KR" sz="1600" dirty="0" smtClean="0"/>
+              <a:t>Director</a:t>
+            </a:r>
           </a:p>
           <a:p>
             <a:pPr marL="465750" lvl="1" indent="-285750">
@@ -5257,44 +5361,136 @@
               <a:buChar char="•"/>
             </a:pPr>
             <a:r>
+              <a:rPr lang="en-US" altLang="ko-KR" sz="1600" dirty="0" smtClean="0"/>
+              <a:t>Builder </a:t>
+            </a:r>
+            <a:r>
+              <a:rPr lang="ko-KR" altLang="en-US" sz="1600" dirty="0" smtClean="0"/>
+              <a:t>역할의 인터페이스를 사용해서 </a:t>
+            </a:r>
+            <a:r>
               <a:rPr lang="ko-KR" altLang="en-US" sz="1600" dirty="0" err="1" smtClean="0"/>
-              <a:t>생성자</a:t>
+              <a:t>인스턴스를</a:t>
             </a:r>
             <a:r>
               <a:rPr lang="ko-KR" altLang="en-US" sz="1600" dirty="0" smtClean="0"/>
-              <a:t> </a:t>
+              <a:t> 생성</a:t>
+            </a:r>
+            <a:r>
+              <a:rPr lang="en-US" altLang="ko-KR" sz="1600" dirty="0" smtClean="0"/>
+              <a:t>. </a:t>
+            </a:r>
+            <a:r>
+              <a:rPr lang="en-US" altLang="ko-KR" sz="1600" dirty="0" err="1" smtClean="0"/>
+              <a:t>ConcreteBuilder</a:t>
+            </a:r>
+            <a:r>
+              <a:rPr lang="ko-KR" altLang="en-US" sz="1600" dirty="0" smtClean="0"/>
+              <a:t>에 </a:t>
+            </a:r>
+            <a:r>
+              <a:rPr lang="en-US" altLang="ko-KR" sz="1600" dirty="0" smtClean="0"/>
+              <a:t/>
+            </a:r>
+            <a:br>
+              <a:rPr lang="en-US" altLang="ko-KR" sz="1600" dirty="0" smtClean="0"/>
+            </a:br>
+            <a:r>
+              <a:rPr lang="ko-KR" altLang="en-US" sz="1600" dirty="0" smtClean="0"/>
+              <a:t>의존하지 않고</a:t>
+            </a:r>
+            <a:r>
+              <a:rPr lang="en-US" altLang="ko-KR" sz="1600" dirty="0" smtClean="0"/>
+              <a:t>, Builder </a:t>
+            </a:r>
+            <a:r>
+              <a:rPr lang="ko-KR" altLang="en-US" sz="1600" dirty="0" smtClean="0"/>
+              <a:t>역할의 </a:t>
             </a:r>
             <a:r>
               <a:rPr lang="ko-KR" altLang="en-US" sz="1600" dirty="0" err="1" smtClean="0"/>
-              <a:t>파라미터가</a:t>
+              <a:t>메소드만</a:t>
             </a:r>
             <a:r>
               <a:rPr lang="ko-KR" altLang="en-US" sz="1600" dirty="0" smtClean="0"/>
-              <a:t> 증가할 수록 </a:t>
-            </a:r>
-            <a:r>
-              <a:rPr lang="ko-KR" altLang="en-US" sz="1600" dirty="0" err="1" smtClean="0"/>
-              <a:t>생상자의</a:t>
-            </a:r>
-            <a:r>
-              <a:rPr lang="ko-KR" altLang="en-US" sz="1600" dirty="0" smtClean="0"/>
-              <a:t> 수가 기하급수적으로 증가</a:t>
+              <a:t> 사용</a:t>
             </a:r>
             <a:endParaRPr lang="en-US" altLang="ko-KR" sz="1600" dirty="0" smtClean="0"/>
           </a:p>
           <a:p>
-            <a:pPr marL="285750" lvl="0" indent="-285750">
+            <a:pPr marL="285750" indent="-285750">
               <a:buFont typeface="Arial" pitchFamily="34" charset="0"/>
               <a:buChar char="•"/>
             </a:pPr>
-            <a:endParaRPr lang="en-US" altLang="ko-KR" sz="1600" dirty="0" smtClean="0"/>
+            <a:r>
+              <a:rPr lang="en-US" altLang="ko-KR" sz="1600" dirty="0" smtClean="0"/>
+              <a:t>Client</a:t>
+            </a:r>
+          </a:p>
+          <a:p>
+            <a:pPr marL="465750" lvl="1" indent="-285750">
+              <a:buFont typeface="Arial" pitchFamily="34" charset="0"/>
+              <a:buChar char="•"/>
+            </a:pPr>
+            <a:r>
+              <a:rPr lang="en-US" altLang="ko-KR" sz="1600" dirty="0" smtClean="0"/>
+              <a:t>Builder </a:t>
+            </a:r>
+            <a:r>
+              <a:rPr lang="ko-KR" altLang="en-US" sz="1600" dirty="0" smtClean="0"/>
+              <a:t>패턴을 사용하는 역할</a:t>
+            </a:r>
+            <a:endParaRPr lang="ko-KR" altLang="en-US" sz="1600" dirty="0"/>
           </a:p>
         </p:txBody>
       </p:sp>
+      <p:pic>
+        <p:nvPicPr>
+          <p:cNvPr id="5" name="Picture 2" descr="C:\Users\Administrator\Desktop\1400px-Builder_UML_class_diagram.svg.png"/>
+          <p:cNvPicPr>
+            <a:picLocks noChangeAspect="1" noChangeArrowheads="1"/>
+          </p:cNvPicPr>
+          <p:nvPr/>
+        </p:nvPicPr>
+        <p:blipFill>
+          <a:blip r:embed="rId3">
+            <a:extLst>
+              <a:ext uri="{28A0092B-C50C-407E-A947-70E740481C1C}">
+                <a14:useLocalDpi xmlns:a14="http://schemas.microsoft.com/office/drawing/2010/main" val="0"/>
+              </a:ext>
+            </a:extLst>
+          </a:blip>
+          <a:srcRect/>
+          <a:stretch>
+            <a:fillRect/>
+          </a:stretch>
+        </p:blipFill>
+        <p:spPr bwMode="auto">
+          <a:xfrm>
+            <a:off x="1331640" y="1207039"/>
+            <a:ext cx="6480720" cy="2221961"/>
+          </a:xfrm>
+          <a:prstGeom prst="roundRect">
+            <a:avLst>
+              <a:gd name="adj" fmla="val 8594"/>
+            </a:avLst>
+          </a:prstGeom>
+          <a:solidFill>
+            <a:srgbClr val="FFFFFF">
+              <a:shade val="85000"/>
+            </a:srgbClr>
+          </a:solidFill>
+          <a:ln>
+            <a:noFill/>
+          </a:ln>
+          <a:effectLst/>
+          <a:extLst/>
+        </p:spPr>
+      </p:pic>
     </p:spTree>
     <p:extLst>
       <p:ext uri="{BB962C8B-B14F-4D97-AF65-F5344CB8AC3E}">
-        <p14:creationId xmlns:p14="http://schemas.microsoft.com/office/powerpoint/2010/main" val="544141070"/>
+        <p14:creationId xmlns:p14="http://schemas.microsoft.com/office/powerpoint/2010/main" val="874322858"/>
       </p:ext>
     </p:extLst>
   </p:cSld>
@@ -5370,14 +5566,57 @@
           <a:bodyPr/>
           <a:lstStyle/>
           <a:p>
-            <a:endParaRPr lang="ko-KR" altLang="en-US"/>
+            <a:endParaRPr lang="ko-KR" altLang="en-US" dirty="0"/>
           </a:p>
         </p:txBody>
       </p:sp>
+      <p:pic>
+        <p:nvPicPr>
+          <p:cNvPr id="4" name="Picture 2" descr="C:\Users\Administrator\Desktop\1400px-Builder_UML_class_diagram.svg.png"/>
+          <p:cNvPicPr>
+            <a:picLocks noChangeAspect="1" noChangeArrowheads="1"/>
+          </p:cNvPicPr>
+          <p:nvPr/>
+        </p:nvPicPr>
+        <p:blipFill>
+          <a:blip r:embed="rId2">
+            <a:extLst>
+              <a:ext uri="{28A0092B-C50C-407E-A947-70E740481C1C}">
+                <a14:useLocalDpi xmlns:a14="http://schemas.microsoft.com/office/drawing/2010/main" val="0"/>
+              </a:ext>
+            </a:extLst>
+          </a:blip>
+          <a:srcRect/>
+          <a:stretch>
+            <a:fillRect/>
+          </a:stretch>
+        </p:blipFill>
+        <p:spPr bwMode="auto">
+          <a:xfrm>
+            <a:off x="1331640" y="1207039"/>
+            <a:ext cx="6480720" cy="2221961"/>
+          </a:xfrm>
+          <a:prstGeom prst="roundRect">
+            <a:avLst>
+              <a:gd name="adj" fmla="val 8594"/>
+            </a:avLst>
+          </a:prstGeom>
+          <a:solidFill>
+            <a:srgbClr val="FFFFFF">
+              <a:shade val="85000"/>
+            </a:srgbClr>
+          </a:solidFill>
+          <a:ln>
+            <a:noFill/>
+          </a:ln>
+          <a:effectLst/>
+          <a:extLst/>
+        </p:spPr>
+      </p:pic>
     </p:spTree>
     <p:extLst>
       <p:ext uri="{BB962C8B-B14F-4D97-AF65-F5344CB8AC3E}">
-        <p14:creationId xmlns:p14="http://schemas.microsoft.com/office/powerpoint/2010/main" val="979725897"/>
+        <p14:creationId xmlns:p14="http://schemas.microsoft.com/office/powerpoint/2010/main" val="1753518173"/>
       </p:ext>
     </p:extLst>
   </p:cSld>
@@ -5453,65 +5692,267 @@
           <a:bodyPr/>
           <a:lstStyle/>
           <a:p>
-            <a:endParaRPr lang="ko-KR" altLang="en-US" dirty="0"/>
+            <a:pPr marL="285750" indent="-285750">
+              <a:buFont typeface="Arial" pitchFamily="34" charset="0"/>
+              <a:buChar char="•"/>
+            </a:pPr>
+            <a:r>
+              <a:rPr lang="en-US" altLang="ko-KR" sz="1600" dirty="0" smtClean="0"/>
+              <a:t>Builder</a:t>
+            </a:r>
+            <a:r>
+              <a:rPr lang="ko-KR" altLang="en-US" sz="1600" dirty="0" smtClean="0"/>
+              <a:t>가 생성할 객체를 가지고 있고</a:t>
+            </a:r>
+            <a:r>
+              <a:rPr lang="en-US" altLang="ko-KR" sz="1600" dirty="0" smtClean="0"/>
+              <a:t>, </a:t>
+            </a:r>
+            <a:r>
+              <a:rPr lang="en-US" altLang="ko-KR" sz="1600" dirty="0" err="1" smtClean="0"/>
+              <a:t>buildPart</a:t>
+            </a:r>
+            <a:r>
+              <a:rPr lang="en-US" altLang="ko-KR" sz="1600" dirty="0" smtClean="0"/>
+              <a:t>()</a:t>
+            </a:r>
+            <a:r>
+              <a:rPr lang="ko-KR" altLang="en-US" sz="1600" dirty="0" smtClean="0"/>
+              <a:t>들을 통해 객체 내부를 만든 뒤</a:t>
+            </a:r>
+            <a:r>
+              <a:rPr lang="en-US" altLang="ko-KR" sz="1600" dirty="0" smtClean="0"/>
+              <a:t>, </a:t>
+            </a:r>
+            <a:r>
+              <a:rPr lang="en-US" altLang="ko-KR" sz="1600" dirty="0" err="1" smtClean="0"/>
+              <a:t>getResult</a:t>
+            </a:r>
+            <a:r>
+              <a:rPr lang="en-US" altLang="ko-KR" sz="1600" dirty="0" smtClean="0"/>
+              <a:t>() </a:t>
+            </a:r>
+            <a:r>
+              <a:rPr lang="ko-KR" altLang="en-US" sz="1600" dirty="0" smtClean="0"/>
+              <a:t>또는 </a:t>
+            </a:r>
+            <a:r>
+              <a:rPr lang="en-US" altLang="ko-KR" sz="1600" dirty="0" smtClean="0"/>
+              <a:t>build()</a:t>
+            </a:r>
+            <a:r>
+              <a:rPr lang="ko-KR" altLang="en-US" sz="1600" dirty="0" smtClean="0"/>
+              <a:t>로 생성한 객체를 반환</a:t>
+            </a:r>
+            <a:endParaRPr lang="en-US" altLang="ko-KR" sz="1600" dirty="0" smtClean="0"/>
+          </a:p>
+          <a:p>
+            <a:pPr marL="285750" indent="-285750">
+              <a:buFont typeface="Arial" pitchFamily="34" charset="0"/>
+              <a:buChar char="•"/>
+            </a:pPr>
+            <a:r>
+              <a:rPr lang="ko-KR" altLang="en-US" sz="1600" dirty="0" smtClean="0"/>
+              <a:t>장점 </a:t>
+            </a:r>
+            <a:r>
+              <a:rPr lang="en-US" altLang="ko-KR" sz="1600" dirty="0" smtClean="0"/>
+              <a:t>: </a:t>
+            </a:r>
+            <a:r>
+              <a:rPr lang="ko-KR" altLang="en-US" sz="1600" dirty="0" err="1" smtClean="0"/>
+              <a:t>가독성</a:t>
+            </a:r>
+            <a:r>
+              <a:rPr lang="ko-KR" altLang="en-US" sz="1600" dirty="0" smtClean="0"/>
+              <a:t> 증가</a:t>
+            </a:r>
+            <a:r>
+              <a:rPr lang="en-US" altLang="ko-KR" sz="1600" dirty="0" smtClean="0"/>
+              <a:t>. </a:t>
+            </a:r>
+            <a:r>
+              <a:rPr lang="ko-KR" altLang="en-US" sz="1600" dirty="0" smtClean="0"/>
+              <a:t>에러발생률 감소</a:t>
+            </a:r>
+            <a:r>
+              <a:rPr lang="en-US" altLang="ko-KR" sz="1600" dirty="0" smtClean="0"/>
+              <a:t/>
+            </a:r>
+            <a:br>
+              <a:rPr lang="en-US" altLang="ko-KR" sz="1600" dirty="0" smtClean="0"/>
+            </a:br>
+            <a:r>
+              <a:rPr lang="en-US" altLang="ko-KR" sz="1600" dirty="0" smtClean="0"/>
+              <a:t>(telescoping pattern, JavaBeans pattern</a:t>
+            </a:r>
+            <a:r>
+              <a:rPr lang="ko-KR" altLang="en-US" sz="1600" dirty="0" smtClean="0"/>
+              <a:t>과 비교했을 때</a:t>
+            </a:r>
+            <a:r>
+              <a:rPr lang="en-US" altLang="ko-KR" sz="1600" dirty="0" smtClean="0"/>
+              <a:t>..)</a:t>
+            </a:r>
+            <a:endParaRPr lang="en-US" altLang="ko-KR" sz="1600" dirty="0" smtClean="0"/>
+          </a:p>
+          <a:p>
+            <a:pPr marL="285750" indent="-285750">
+              <a:buFont typeface="Arial" pitchFamily="34" charset="0"/>
+              <a:buChar char="•"/>
+            </a:pPr>
+            <a:endParaRPr lang="en-US" altLang="ko-KR" sz="1600" dirty="0"/>
+          </a:p>
+          <a:p>
+            <a:pPr marL="285750" indent="-285750">
+              <a:buFont typeface="Arial" pitchFamily="34" charset="0"/>
+              <a:buChar char="•"/>
+            </a:pPr>
+            <a:r>
+              <a:rPr lang="ko-KR" altLang="en-US" sz="1600" dirty="0" smtClean="0"/>
+              <a:t>생성할 클래스의 종류가 다양해지면 사용하기 불편할 것 같다</a:t>
+            </a:r>
+            <a:r>
+              <a:rPr lang="en-US" altLang="ko-KR" sz="1600" dirty="0" smtClean="0"/>
+              <a:t>.</a:t>
+            </a:r>
+          </a:p>
+          <a:p>
+            <a:pPr marL="285750" indent="-285750">
+              <a:buFont typeface="Arial" pitchFamily="34" charset="0"/>
+              <a:buChar char="•"/>
+            </a:pPr>
+            <a:r>
+              <a:rPr lang="en-US" altLang="ko-KR" sz="1600" dirty="0" smtClean="0"/>
+              <a:t>Builder</a:t>
+            </a:r>
+            <a:r>
+              <a:rPr lang="ko-KR" altLang="en-US" sz="1600" dirty="0" smtClean="0"/>
+              <a:t>와 </a:t>
+            </a:r>
+            <a:r>
+              <a:rPr lang="en-US" altLang="ko-KR" sz="1600" dirty="0" err="1" smtClean="0"/>
+              <a:t>ConcreteBuilder</a:t>
+            </a:r>
+            <a:r>
+              <a:rPr lang="ko-KR" altLang="en-US" sz="1600" dirty="0" smtClean="0"/>
+              <a:t>는 </a:t>
+            </a:r>
+            <a:r>
+              <a:rPr lang="en-US" altLang="ko-KR" sz="1600" dirty="0" smtClean="0"/>
+              <a:t>Template Method Pattern</a:t>
+            </a:r>
+            <a:r>
+              <a:rPr lang="ko-KR" altLang="en-US" sz="1600" dirty="0" smtClean="0"/>
+              <a:t>인 듯</a:t>
+            </a:r>
+            <a:r>
+              <a:rPr lang="en-US" altLang="ko-KR" sz="1600" dirty="0" smtClean="0"/>
+              <a:t>?</a:t>
+            </a:r>
+          </a:p>
+          <a:p>
+            <a:pPr marL="285750" indent="-285750">
+              <a:buFont typeface="Arial" pitchFamily="34" charset="0"/>
+              <a:buChar char="•"/>
+            </a:pPr>
+            <a:r>
+              <a:rPr lang="en-US" altLang="ko-KR" sz="1600" dirty="0" smtClean="0"/>
+              <a:t>Effective Java</a:t>
+            </a:r>
+            <a:r>
+              <a:rPr lang="ko-KR" altLang="en-US" sz="1600" dirty="0" smtClean="0"/>
+              <a:t>의 </a:t>
+            </a:r>
+            <a:r>
+              <a:rPr lang="en-US" altLang="ko-KR" sz="1600" dirty="0" smtClean="0"/>
+              <a:t>2</a:t>
+            </a:r>
+            <a:r>
+              <a:rPr lang="ko-KR" altLang="en-US" sz="1600" dirty="0" smtClean="0"/>
+              <a:t>장에서 소개하는 </a:t>
+            </a:r>
+            <a:r>
+              <a:rPr lang="ko-KR" altLang="en-US" sz="1600" dirty="0" err="1" smtClean="0"/>
+              <a:t>빌더</a:t>
+            </a:r>
+            <a:r>
+              <a:rPr lang="ko-KR" altLang="en-US" sz="1600" dirty="0" smtClean="0"/>
+              <a:t> 패턴의 예제는 </a:t>
+            </a:r>
+            <a:r>
+              <a:rPr lang="en-US" altLang="ko-KR" sz="1600" dirty="0" smtClean="0"/>
+              <a:t>Builder</a:t>
+            </a:r>
+            <a:r>
+              <a:rPr lang="ko-KR" altLang="en-US" sz="1600" dirty="0" smtClean="0"/>
+              <a:t>를 </a:t>
+            </a:r>
+            <a:r>
+              <a:rPr lang="ko-KR" altLang="en-US" sz="1600" dirty="0" err="1" smtClean="0"/>
+              <a:t>스태틱</a:t>
+            </a:r>
+            <a:r>
+              <a:rPr lang="ko-KR" altLang="en-US" sz="1600" dirty="0" smtClean="0"/>
+              <a:t> </a:t>
+            </a:r>
+            <a:r>
+              <a:rPr lang="en-US" altLang="ko-KR" sz="1600" dirty="0" smtClean="0"/>
+              <a:t>Inner</a:t>
+            </a:r>
+            <a:r>
+              <a:rPr lang="ko-KR" altLang="en-US" sz="1600" dirty="0" smtClean="0"/>
+              <a:t>클래스로 사용하였고 </a:t>
+            </a:r>
+            <a:r>
+              <a:rPr lang="en-US" altLang="ko-KR" sz="1600" dirty="0" smtClean="0"/>
+              <a:t>Director</a:t>
+            </a:r>
+            <a:r>
+              <a:rPr lang="ko-KR" altLang="en-US" sz="1600" dirty="0" smtClean="0"/>
+              <a:t>도 없다</a:t>
+            </a:r>
+            <a:r>
+              <a:rPr lang="en-US" altLang="ko-KR" sz="1600" dirty="0" smtClean="0"/>
+              <a:t>. </a:t>
+            </a:r>
+            <a:r>
+              <a:rPr lang="ko-KR" altLang="en-US" sz="1600" dirty="0" smtClean="0"/>
+              <a:t>이런 것도 </a:t>
+            </a:r>
+            <a:r>
+              <a:rPr lang="ko-KR" altLang="en-US" sz="1600" dirty="0" err="1" smtClean="0"/>
+              <a:t>빌더</a:t>
+            </a:r>
+            <a:r>
+              <a:rPr lang="ko-KR" altLang="en-US" sz="1600" dirty="0" smtClean="0"/>
+              <a:t> 패턴임</a:t>
+            </a:r>
+            <a:r>
+              <a:rPr lang="en-US" altLang="ko-KR" sz="1600" dirty="0" smtClean="0"/>
+              <a:t>.</a:t>
+            </a:r>
+          </a:p>
+          <a:p>
+            <a:pPr marL="285750" indent="-285750">
+              <a:buFont typeface="Arial" pitchFamily="34" charset="0"/>
+              <a:buChar char="•"/>
+            </a:pPr>
+            <a:endParaRPr lang="en-US" altLang="ko-KR" sz="1600" dirty="0" smtClean="0"/>
+          </a:p>
+          <a:p>
+            <a:pPr marL="285750" indent="-285750">
+              <a:buFont typeface="Arial" pitchFamily="34" charset="0"/>
+              <a:buChar char="•"/>
+            </a:pPr>
+            <a:endParaRPr lang="ko-KR" altLang="en-US" sz="1600" dirty="0"/>
           </a:p>
         </p:txBody>
       </p:sp>
-      <p:pic>
-        <p:nvPicPr>
-          <p:cNvPr id="4" name="Picture 2" descr="C:\Users\Administrator\Desktop\1400px-Builder_UML_class_diagram.svg.png"/>
-          <p:cNvPicPr>
-            <a:picLocks noChangeAspect="1" noChangeArrowheads="1"/>
-          </p:cNvPicPr>
-          <p:nvPr/>
-        </p:nvPicPr>
-        <p:blipFill>
-          <a:blip r:embed="rId2">
-            <a:extLst>
-              <a:ext uri="{28A0092B-C50C-407E-A947-70E740481C1C}">
-                <a14:useLocalDpi xmlns:a14="http://schemas.microsoft.com/office/drawing/2010/main" val="0"/>
-              </a:ext>
-            </a:extLst>
-          </a:blip>
-          <a:srcRect/>
-          <a:stretch>
-            <a:fillRect/>
-          </a:stretch>
-        </p:blipFill>
-        <p:spPr bwMode="auto">
-          <a:xfrm>
-            <a:off x="1331640" y="1207039"/>
-            <a:ext cx="6480720" cy="2221961"/>
-          </a:xfrm>
-          <a:prstGeom prst="roundRect">
-            <a:avLst>
-              <a:gd name="adj" fmla="val 8594"/>
-            </a:avLst>
-          </a:prstGeom>
-          <a:solidFill>
-            <a:srgbClr val="FFFFFF">
-              <a:shade val="85000"/>
-            </a:srgbClr>
-          </a:solidFill>
-          <a:ln>
-            <a:noFill/>
-          </a:ln>
-          <a:effectLst/>
-          <a:extLst>
-            <a:ext uri="{909E8E84-426E-40DD-AFC4-6F175D3DCCD1}">
-              <a14:hiddenFill xmlns:a14="http://schemas.microsoft.com/office/drawing/2010/main">
-                <a:solidFill>
-                  <a:srgbClr val="FFFFFF"/>
-                </a:solidFill>
-              </a14:hiddenFill>
-            </a:ext>
-          </a:extLst>
-        </p:spPr>
-      </p:pic>
     </p:spTree>
     <p:extLst>
       <p:ext uri="{BB962C8B-B14F-4D97-AF65-F5344CB8AC3E}">
-        <p14:creationId xmlns:p14="http://schemas.microsoft.com/office/powerpoint/2010/main" val="1753518173"/>
+        <p14:creationId xmlns:p14="http://schemas.microsoft.com/office/powerpoint/2010/main" val="979725897"/>
       </p:ext>
     </p:extLst>
   </p:cSld>
@@ -5625,6 +6066,13 @@
   <p:clrMapOvr>
     <a:masterClrMapping/>
   </p:clrMapOvr>
+  <p:timing>
+    <p:tnLst>
+      <p:par>
+        <p:cTn id="1" dur="indefinite" restart="never" nodeType="tmRoot"/>
+      </p:par>
+    </p:tnLst>
+  </p:timing>
 </p:sld>
 </file>
 
@@ -5669,16 +6117,76 @@
         <a:srgbClr val="800080"/>
       </a:folHlink>
     </a:clrScheme>
-    <a:fontScheme name="사용자 지정 1">
+    <a:fontScheme name="Office">
       <a:majorFont>
-        <a:latin typeface="나눔바른고딕"/>
-        <a:ea typeface="나눔바른고딕"/>
+        <a:latin typeface="맑은 고딕"/>
+        <a:ea typeface=""/>
         <a:cs typeface=""/>
+        <a:font script="Jpan" typeface="ＭＳ Ｐゴシック"/>
+        <a:font script="Hang" typeface="맑은 고딕"/>
+        <a:font script="Hans" typeface="宋体"/>
+        <a:font script="Hant" typeface="新細明體"/>
+        <a:font script="Arab" typeface="Times New Roman"/>
+        <a:font script="Hebr" typeface="Times New Roman"/>
+        <a:font script="Thai" typeface="Angsana New"/>
+        <a:font script="Ethi" typeface="Nyala"/>
+        <a:font script="Beng" typeface="Vrinda"/>
+        <a:font script="Gujr" typeface="Shruti"/>
+        <a:font script="Khmr" typeface="MoolBoran"/>
+        <a:font script="Knda" typeface="Tunga"/>
+        <a:font script="Guru" typeface="Raavi"/>
+        <a:font script="Cans" typeface="Euphemia"/>
+        <a:font script="Cher" typeface="Plantagenet Cherokee"/>
+        <a:font script="Yiii" typeface="Microsoft Yi Baiti"/>
+        <a:font script="Tibt" typeface="Microsoft Himalaya"/>
+        <a:font script="Thaa" typeface="MV Boli"/>
+        <a:font script="Deva" typeface="Mangal"/>
+        <a:font script="Telu" typeface="Gautami"/>
+        <a:font script="Taml" typeface="Latha"/>
+        <a:font script="Syrc" typeface="Estrangelo Edessa"/>
+        <a:font script="Orya" typeface="Kalinga"/>
+        <a:font script="Mlym" typeface="Kartika"/>
+        <a:font script="Laoo" typeface="DokChampa"/>
+        <a:font script="Sinh" typeface="Iskoola Pota"/>
+        <a:font script="Mong" typeface="Mongolian Baiti"/>
+        <a:font script="Viet" typeface="Times New Roman"/>
+        <a:font script="Uigh" typeface="Microsoft Uighur"/>
+        <a:font script="Geor" typeface="Sylfaen"/>
       </a:majorFont>
       <a:minorFont>
-        <a:latin typeface="나눔바른고딕"/>
-        <a:ea typeface="나눔바른고딕"/>
+        <a:latin typeface="맑은 고딕"/>
+        <a:ea typeface=""/>
         <a:cs typeface=""/>
+        <a:font script="Jpan" typeface="ＭＳ Ｐゴシック"/>
+        <a:font script="Hang" typeface="맑은 고딕"/>
+        <a:font script="Hans" typeface="宋体"/>
+        <a:font script="Hant" typeface="新細明體"/>
+        <a:font script="Arab" typeface="Arial"/>
+        <a:font script="Hebr" typeface="Arial"/>
+        <a:font script="Thai" typeface="Cordia New"/>
+        <a:font script="Ethi" typeface="Nyala"/>
+        <a:font script="Beng" typeface="Vrinda"/>
+        <a:font script="Gujr" typeface="Shruti"/>
+        <a:font script="Khmr" typeface="DaunPenh"/>
+        <a:font script="Knda" typeface="Tunga"/>
+        <a:font script="Guru" typeface="Raavi"/>
+        <a:font script="Cans" typeface="Euphemia"/>
+        <a:font script="Cher" typeface="Plantagenet Cherokee"/>
+        <a:font script="Yiii" typeface="Microsoft Yi Baiti"/>
+        <a:font script="Tibt" typeface="Microsoft Himalaya"/>
+        <a:font script="Thaa" typeface="MV Boli"/>
+        <a:font script="Deva" typeface="Mangal"/>
+        <a:font script="Telu" typeface="Gautami"/>
+        <a:font script="Taml" typeface="Latha"/>
+        <a:font script="Syrc" typeface="Estrangelo Edessa"/>
+        <a:font script="Orya" typeface="Kalinga"/>
+        <a:font script="Mlym" typeface="Kartika"/>
+        <a:font script="Laoo" typeface="DokChampa"/>
+        <a:font script="Sinh" typeface="Iskoola Pota"/>
+        <a:font script="Mong" typeface="Mongolian Baiti"/>
+        <a:font script="Viet" typeface="Arial"/>
+        <a:font script="Uigh" typeface="Microsoft Uighur"/>
+        <a:font script="Geor" typeface="Sylfaen"/>
       </a:minorFont>
     </a:fontScheme>
     <a:fmtScheme name="Office">
